--- a/RL.pptx
+++ b/RL.pptx
@@ -257,12 +257,12 @@
         </c:dLbls>
         <c:gapWidth val="150"/>
         <c:shape val="box"/>
-        <c:axId val="2140341976"/>
-        <c:axId val="2141401112"/>
+        <c:axId val="2132930120"/>
+        <c:axId val="2132927128"/>
         <c:axId val="0"/>
       </c:bar3DChart>
       <c:catAx>
-        <c:axId val="2140341976"/>
+        <c:axId val="2132930120"/>
         <c:scaling>
           <c:orientation val="minMax"/>
         </c:scaling>
@@ -281,7 +281,7 @@
             <a:endParaRPr lang="en-US"/>
           </a:p>
         </c:txPr>
-        <c:crossAx val="2141401112"/>
+        <c:crossAx val="2132927128"/>
         <c:crosses val="autoZero"/>
         <c:auto val="1"/>
         <c:lblAlgn val="ctr"/>
@@ -289,7 +289,7 @@
         <c:noMultiLvlLbl val="0"/>
       </c:catAx>
       <c:valAx>
-        <c:axId val="2141401112"/>
+        <c:axId val="2132927128"/>
         <c:scaling>
           <c:orientation val="minMax"/>
         </c:scaling>
@@ -310,7 +310,7 @@
             <a:endParaRPr lang="en-US"/>
           </a:p>
         </c:txPr>
-        <c:crossAx val="2140341976"/>
+        <c:crossAx val="2132930120"/>
         <c:crosses val="autoZero"/>
         <c:crossBetween val="between"/>
       </c:valAx>
@@ -494,12 +494,12 @@
         </c:dLbls>
         <c:gapWidth val="150"/>
         <c:shape val="box"/>
-        <c:axId val="2140272360"/>
-        <c:axId val="2140269336"/>
+        <c:axId val="2132833352"/>
+        <c:axId val="2132830328"/>
         <c:axId val="0"/>
       </c:bar3DChart>
       <c:catAx>
-        <c:axId val="2140272360"/>
+        <c:axId val="2132833352"/>
         <c:scaling>
           <c:orientation val="minMax"/>
         </c:scaling>
@@ -518,7 +518,7 @@
             <a:endParaRPr lang="en-US"/>
           </a:p>
         </c:txPr>
-        <c:crossAx val="2140269336"/>
+        <c:crossAx val="2132830328"/>
         <c:crosses val="autoZero"/>
         <c:auto val="1"/>
         <c:lblAlgn val="ctr"/>
@@ -526,7 +526,7 @@
         <c:noMultiLvlLbl val="0"/>
       </c:catAx>
       <c:valAx>
-        <c:axId val="2140269336"/>
+        <c:axId val="2132830328"/>
         <c:scaling>
           <c:orientation val="minMax"/>
         </c:scaling>
@@ -547,7 +547,7 @@
             <a:endParaRPr lang="en-US"/>
           </a:p>
         </c:txPr>
-        <c:crossAx val="2140272360"/>
+        <c:crossAx val="2132833352"/>
         <c:crosses val="autoZero"/>
         <c:crossBetween val="between"/>
       </c:valAx>
@@ -731,12 +731,12 @@
         </c:dLbls>
         <c:gapWidth val="150"/>
         <c:shape val="box"/>
-        <c:axId val="-2122363064"/>
-        <c:axId val="-2123928488"/>
+        <c:axId val="2132810744"/>
+        <c:axId val="2132807720"/>
         <c:axId val="0"/>
       </c:bar3DChart>
       <c:catAx>
-        <c:axId val="-2122363064"/>
+        <c:axId val="2132810744"/>
         <c:scaling>
           <c:orientation val="minMax"/>
         </c:scaling>
@@ -755,7 +755,7 @@
             <a:endParaRPr lang="en-US"/>
           </a:p>
         </c:txPr>
-        <c:crossAx val="-2123928488"/>
+        <c:crossAx val="2132807720"/>
         <c:crosses val="autoZero"/>
         <c:auto val="1"/>
         <c:lblAlgn val="ctr"/>
@@ -763,7 +763,7 @@
         <c:noMultiLvlLbl val="0"/>
       </c:catAx>
       <c:valAx>
-        <c:axId val="-2123928488"/>
+        <c:axId val="2132807720"/>
         <c:scaling>
           <c:orientation val="minMax"/>
         </c:scaling>
@@ -784,7 +784,7 @@
             <a:endParaRPr lang="en-US"/>
           </a:p>
         </c:txPr>
-        <c:crossAx val="-2122363064"/>
+        <c:crossAx val="2132810744"/>
         <c:crosses val="autoZero"/>
         <c:crossBetween val="between"/>
       </c:valAx>
@@ -968,12 +968,12 @@
         </c:dLbls>
         <c:gapWidth val="150"/>
         <c:shape val="box"/>
-        <c:axId val="-2103350376"/>
-        <c:axId val="-2103347656"/>
+        <c:axId val="2137474616"/>
+        <c:axId val="2137477624"/>
         <c:axId val="0"/>
       </c:bar3DChart>
       <c:catAx>
-        <c:axId val="-2103350376"/>
+        <c:axId val="2137474616"/>
         <c:scaling>
           <c:orientation val="minMax"/>
         </c:scaling>
@@ -992,7 +992,7 @@
             <a:endParaRPr lang="en-US"/>
           </a:p>
         </c:txPr>
-        <c:crossAx val="-2103347656"/>
+        <c:crossAx val="2137477624"/>
         <c:crosses val="autoZero"/>
         <c:auto val="1"/>
         <c:lblAlgn val="ctr"/>
@@ -1000,7 +1000,7 @@
         <c:noMultiLvlLbl val="0"/>
       </c:catAx>
       <c:valAx>
-        <c:axId val="-2103347656"/>
+        <c:axId val="2137477624"/>
         <c:scaling>
           <c:orientation val="minMax"/>
         </c:scaling>
@@ -1021,7 +1021,7 @@
             <a:endParaRPr lang="en-US"/>
           </a:p>
         </c:txPr>
-        <c:crossAx val="-2103350376"/>
+        <c:crossAx val="2137474616"/>
         <c:crosses val="autoZero"/>
         <c:crossBetween val="between"/>
       </c:valAx>
@@ -1205,12 +1205,12 @@
         </c:dLbls>
         <c:gapWidth val="150"/>
         <c:shape val="box"/>
-        <c:axId val="-2128552728"/>
-        <c:axId val="-2128481672"/>
+        <c:axId val="2130850264"/>
+        <c:axId val="2130847240"/>
         <c:axId val="0"/>
       </c:bar3DChart>
       <c:catAx>
-        <c:axId val="-2128552728"/>
+        <c:axId val="2130850264"/>
         <c:scaling>
           <c:orientation val="minMax"/>
         </c:scaling>
@@ -1229,7 +1229,7 @@
             <a:endParaRPr lang="en-US"/>
           </a:p>
         </c:txPr>
-        <c:crossAx val="-2128481672"/>
+        <c:crossAx val="2130847240"/>
         <c:crosses val="autoZero"/>
         <c:auto val="1"/>
         <c:lblAlgn val="ctr"/>
@@ -1237,7 +1237,7 @@
         <c:noMultiLvlLbl val="0"/>
       </c:catAx>
       <c:valAx>
-        <c:axId val="-2128481672"/>
+        <c:axId val="2130847240"/>
         <c:scaling>
           <c:orientation val="minMax"/>
         </c:scaling>
@@ -1258,7 +1258,7 @@
             <a:endParaRPr lang="en-US"/>
           </a:p>
         </c:txPr>
-        <c:crossAx val="-2128552728"/>
+        <c:crossAx val="2130850264"/>
         <c:crosses val="autoZero"/>
         <c:crossBetween val="between"/>
       </c:valAx>
@@ -1442,12 +1442,12 @@
         </c:dLbls>
         <c:gapWidth val="150"/>
         <c:shape val="box"/>
-        <c:axId val="2140160040"/>
-        <c:axId val="2140157016"/>
+        <c:axId val="2130817464"/>
+        <c:axId val="2130821016"/>
         <c:axId val="0"/>
       </c:bar3DChart>
       <c:catAx>
-        <c:axId val="2140160040"/>
+        <c:axId val="2130817464"/>
         <c:scaling>
           <c:orientation val="minMax"/>
         </c:scaling>
@@ -1466,7 +1466,7 @@
             <a:endParaRPr lang="en-US"/>
           </a:p>
         </c:txPr>
-        <c:crossAx val="2140157016"/>
+        <c:crossAx val="2130821016"/>
         <c:crosses val="autoZero"/>
         <c:auto val="1"/>
         <c:lblAlgn val="ctr"/>
@@ -1474,7 +1474,7 @@
         <c:noMultiLvlLbl val="0"/>
       </c:catAx>
       <c:valAx>
-        <c:axId val="2140157016"/>
+        <c:axId val="2130821016"/>
         <c:scaling>
           <c:orientation val="minMax"/>
         </c:scaling>
@@ -1495,7 +1495,7 @@
             <a:endParaRPr lang="en-US"/>
           </a:p>
         </c:txPr>
-        <c:crossAx val="2140160040"/>
+        <c:crossAx val="2130817464"/>
         <c:crosses val="autoZero"/>
         <c:crossBetween val="between"/>
       </c:valAx>
@@ -4785,7 +4785,7 @@
               <a:rPr lang="en-US" smtClean="0">
                 <a:latin typeface="Cambria Math"/>
               </a:rPr>
-              <a:t>4/15/15</a:t>
+              <a:t>4/22/15</a:t>
             </a:fld>
             <a:endParaRPr lang="en-US" dirty="0">
               <a:latin typeface="Cambria Math"/>
@@ -5077,7 +5077,7 @@
             <a:fld id="{B8672867-4B84-3044-819A-BDD5809F0F3B}" type="datetimeFigureOut">
               <a:rPr lang="en-US" smtClean="0"/>
               <a:pPr/>
-              <a:t>4/15/15</a:t>
+              <a:t>4/22/15</a:t>
             </a:fld>
             <a:endParaRPr lang="en-US" dirty="0"/>
           </a:p>
@@ -5324,7 +5324,7 @@
             <a:fld id="{B8672867-4B84-3044-819A-BDD5809F0F3B}" type="datetimeFigureOut">
               <a:rPr lang="en-US" smtClean="0"/>
               <a:pPr/>
-              <a:t>4/15/15</a:t>
+              <a:t>4/22/15</a:t>
             </a:fld>
             <a:endParaRPr lang="en-US"/>
           </a:p>
@@ -5621,7 +5621,7 @@
             <a:fld id="{B8672867-4B84-3044-819A-BDD5809F0F3B}" type="datetimeFigureOut">
               <a:rPr lang="en-US" smtClean="0"/>
               <a:pPr/>
-              <a:t>4/15/15</a:t>
+              <a:t>4/22/15</a:t>
             </a:fld>
             <a:endParaRPr lang="en-US"/>
           </a:p>
@@ -5975,7 +5975,7 @@
             <a:fld id="{B8672867-4B84-3044-819A-BDD5809F0F3B}" type="datetimeFigureOut">
               <a:rPr lang="en-US" smtClean="0"/>
               <a:pPr/>
-              <a:t>4/15/15</a:t>
+              <a:t>4/22/15</a:t>
             </a:fld>
             <a:endParaRPr lang="en-US"/>
           </a:p>
@@ -6471,7 +6471,7 @@
             <a:fld id="{B8672867-4B84-3044-819A-BDD5809F0F3B}" type="datetimeFigureOut">
               <a:rPr lang="en-US" smtClean="0"/>
               <a:pPr/>
-              <a:t>4/15/15</a:t>
+              <a:t>4/22/15</a:t>
             </a:fld>
             <a:endParaRPr lang="en-US"/>
           </a:p>
@@ -6635,7 +6635,7 @@
             <a:fld id="{B8672867-4B84-3044-819A-BDD5809F0F3B}" type="datetimeFigureOut">
               <a:rPr lang="en-US" smtClean="0"/>
               <a:pPr/>
-              <a:t>4/15/15</a:t>
+              <a:t>4/22/15</a:t>
             </a:fld>
             <a:endParaRPr lang="en-US"/>
           </a:p>
@@ -6771,7 +6771,7 @@
             <a:fld id="{B8672867-4B84-3044-819A-BDD5809F0F3B}" type="datetimeFigureOut">
               <a:rPr lang="en-US" smtClean="0"/>
               <a:pPr/>
-              <a:t>4/15/15</a:t>
+              <a:t>4/22/15</a:t>
             </a:fld>
             <a:endParaRPr lang="en-US"/>
           </a:p>
@@ -7101,7 +7101,7 @@
             <a:fld id="{B8672867-4B84-3044-819A-BDD5809F0F3B}" type="datetimeFigureOut">
               <a:rPr lang="en-US" smtClean="0"/>
               <a:pPr/>
-              <a:t>4/15/15</a:t>
+              <a:t>4/22/15</a:t>
             </a:fld>
             <a:endParaRPr lang="en-US"/>
           </a:p>
@@ -7399,7 +7399,7 @@
             <a:fld id="{B8672867-4B84-3044-819A-BDD5809F0F3B}" type="datetimeFigureOut">
               <a:rPr lang="en-US" smtClean="0"/>
               <a:pPr/>
-              <a:t>4/15/15</a:t>
+              <a:t>4/22/15</a:t>
             </a:fld>
             <a:endParaRPr lang="en-US"/>
           </a:p>
@@ -7641,7 +7641,7 @@
             <a:fld id="{B8672867-4B84-3044-819A-BDD5809F0F3B}" type="datetimeFigureOut">
               <a:rPr lang="en-US" smtClean="0"/>
               <a:pPr/>
-              <a:t>4/15/15</a:t>
+              <a:t>4/22/15</a:t>
             </a:fld>
             <a:endParaRPr lang="en-US" dirty="0"/>
           </a:p>
@@ -8961,7 +8961,7 @@
           <a:graphicData uri="http://schemas.openxmlformats.org/presentationml/2006/ole">
             <mc:AlternateContent xmlns:mc="http://schemas.openxmlformats.org/markup-compatibility/2006">
               <mc:Choice xmlns:v="urn:schemas-microsoft-com:vml" Requires="v">
-                <p:oleObj spid="_x0000_s2752" name="Equation" r:id="rId4" imgW="939800" imgH="393700" progId="Equation.3">
+                <p:oleObj spid="_x0000_s2762" name="Equation" r:id="rId4" imgW="939800" imgH="393700" progId="Equation.3">
                   <p:embed/>
                 </p:oleObj>
               </mc:Choice>
@@ -9090,7 +9090,7 @@
           <a:graphicData uri="http://schemas.openxmlformats.org/presentationml/2006/ole">
             <mc:AlternateContent xmlns:mc="http://schemas.openxmlformats.org/markup-compatibility/2006">
               <mc:Choice xmlns:v="urn:schemas-microsoft-com:vml" Requires="v">
-                <p:oleObj spid="_x0000_s1725" name="Equation" r:id="rId3" imgW="1257300" imgH="393700" progId="Equation.3">
+                <p:oleObj spid="_x0000_s1735" name="Equation" r:id="rId3" imgW="1257300" imgH="393700" progId="Equation.3">
                   <p:embed/>
                 </p:oleObj>
               </mc:Choice>
@@ -10914,7 +10914,7 @@
           <a:graphicData uri="http://schemas.openxmlformats.org/presentationml/2006/ole">
             <mc:AlternateContent xmlns:mc="http://schemas.openxmlformats.org/markup-compatibility/2006">
               <mc:Choice xmlns:v="urn:schemas-microsoft-com:vml" Requires="v">
-                <p:oleObj spid="_x0000_s4658" name="Equation" r:id="rId3" imgW="965200" imgH="393700" progId="Equation.3">
+                <p:oleObj spid="_x0000_s4668" name="Equation" r:id="rId3" imgW="965200" imgH="393700" progId="Equation.3">
                   <p:embed/>
                 </p:oleObj>
               </mc:Choice>
@@ -12286,13 +12286,7 @@
               <a:rPr lang="en-US" dirty="0" smtClean="0">
                 <a:latin typeface="Cambria Math"/>
               </a:rPr>
-              <a:t>Instantaneous</a:t>
-            </a:r>
-            <a:r>
-              <a:rPr lang="en-US" dirty="0" smtClean="0">
-                <a:latin typeface="Cambria Math"/>
-              </a:rPr>
-              <a:t>:</a:t>
+              <a:t>Instantaneous:</a:t>
             </a:r>
             <a:endParaRPr lang="en-US" dirty="0">
               <a:latin typeface="Cambria Math"/>
@@ -13617,11 +13611,7 @@
           <a:p>
             <a:r>
               <a:rPr lang="en-US" sz="2800" dirty="0" smtClean="0"/>
-              <a:t>Motor Numbness </a:t>
-            </a:r>
-            <a:r>
-              <a:rPr lang="en-US" sz="2800" dirty="0" smtClean="0"/>
-              <a:t>Problem</a:t>
+              <a:t>Motor Numbness Problem</a:t>
             </a:r>
           </a:p>
           <a:p>
@@ -13638,7 +13628,6 @@
               <a:rPr lang="en-US" sz="2400" dirty="0" smtClean="0"/>
               <a:t>exploration</a:t>
             </a:r>
-            <a:endParaRPr lang="en-US" sz="2400" dirty="0" smtClean="0"/>
           </a:p>
         </p:txBody>
       </p:sp>
@@ -13770,7 +13759,6 @@
               <a:rPr lang="en-US" sz="2400" dirty="0" smtClean="0"/>
               <a:t>We have a backpropagation-inspired gating method to the rescue, now for spiking neural networks.</a:t>
             </a:r>
-            <a:endParaRPr lang="en-US" sz="2400" dirty="0" smtClean="0"/>
           </a:p>
         </p:txBody>
       </p:sp>
@@ -13831,15 +13819,7 @@
             <a:pPr algn="l"/>
             <a:r>
               <a:rPr lang="en-US" sz="3200" dirty="0" smtClean="0"/>
-              <a:t>Handling the </a:t>
-            </a:r>
-            <a:r>
-              <a:rPr lang="en-US" sz="3200" dirty="0" smtClean="0"/>
-              <a:t>Spatial Credit </a:t>
-            </a:r>
-            <a:r>
-              <a:rPr lang="en-US" sz="3200" dirty="0" smtClean="0"/>
-              <a:t>Assignment Problem</a:t>
+              <a:t>Handling the Spatial Credit Assignment Problem</a:t>
             </a:r>
             <a:br>
               <a:rPr lang="en-US" sz="3200" dirty="0" smtClean="0"/>
@@ -15879,7 +15859,6 @@
               <a:rPr lang="en-US" sz="3200" dirty="0"/>
               <a:t>Feedback</a:t>
             </a:r>
-            <a:endParaRPr lang="en-US" sz="3200" dirty="0"/>
           </a:p>
         </p:txBody>
       </p:sp>
@@ -16011,7 +15990,6 @@
               <a:rPr lang="en-US" sz="3200" dirty="0"/>
               <a:t>Feedback</a:t>
             </a:r>
-            <a:endParaRPr lang="en-US" sz="3200" dirty="0"/>
           </a:p>
         </p:txBody>
       </p:sp>
@@ -16254,7 +16232,6 @@
               <a:rPr lang="en-US" sz="3200" dirty="0"/>
               <a:t>Feedback</a:t>
             </a:r>
-            <a:endParaRPr lang="en-US" sz="3200" dirty="0"/>
           </a:p>
         </p:txBody>
       </p:sp>
@@ -16596,11 +16573,7 @@
           <a:p>
             <a:r>
               <a:rPr lang="en-US" sz="2800" dirty="0" smtClean="0"/>
-              <a:t>Motor Numbness </a:t>
-            </a:r>
-            <a:r>
-              <a:rPr lang="en-US" sz="2800" dirty="0" smtClean="0"/>
-              <a:t>Problem</a:t>
+              <a:t>Motor Numbness Problem</a:t>
             </a:r>
           </a:p>
           <a:p>
@@ -16617,7 +16590,6 @@
               <a:rPr lang="en-US" sz="2400" dirty="0" smtClean="0"/>
               <a:t>exploration</a:t>
             </a:r>
-            <a:endParaRPr lang="en-US" sz="2400" dirty="0" smtClean="0"/>
           </a:p>
         </p:txBody>
       </p:sp>
@@ -17032,7 +17004,6 @@
               <a:rPr lang="en-US" sz="3200" dirty="0"/>
               <a:t>Attenuation</a:t>
             </a:r>
-            <a:endParaRPr lang="en-US" sz="3200" dirty="0"/>
           </a:p>
         </p:txBody>
       </p:sp>
@@ -17043,7 +17014,7 @@
           <p:nvPr>
             <p:extLst>
               <p:ext uri="{D42A27DB-BD31-4B8C-83A1-F6EECF244321}">
-                <p14:modId xmlns:p14="http://schemas.microsoft.com/office/powerpoint/2010/main" val="1415510447"/>
+                <p14:modId xmlns:p14="http://schemas.microsoft.com/office/powerpoint/2010/main" val="986126061"/>
               </p:ext>
             </p:extLst>
           </p:nvPr>
@@ -19764,13 +19735,13 @@
         </p:nvSpPr>
         <p:spPr>
           <a:xfrm>
-            <a:off x="457200" y="1237534"/>
-            <a:ext cx="8229600" cy="4686369"/>
+            <a:off x="457200" y="1237535"/>
+            <a:ext cx="8229600" cy="463162"/>
           </a:xfrm>
         </p:spPr>
         <p:txBody>
           <a:bodyPr>
-            <a:normAutofit/>
+            <a:normAutofit fontScale="92500" lnSpcReduction="10000"/>
           </a:bodyPr>
           <a:lstStyle/>
           <a:p>
@@ -19779,6 +19750,713 @@
               <a:t>Balanced-Pair Binary Encoding</a:t>
             </a:r>
             <a:endParaRPr lang="en-US" sz="2800" dirty="0"/>
+          </a:p>
+        </p:txBody>
+      </p:sp>
+      <p:sp>
+        <p:nvSpPr>
+          <p:cNvPr id="4" name="Rectangle 3"/>
+          <p:cNvSpPr/>
+          <p:nvPr/>
+        </p:nvSpPr>
+        <p:spPr>
+          <a:xfrm>
+            <a:off x="4915740" y="2694609"/>
+            <a:ext cx="578321" cy="1512956"/>
+          </a:xfrm>
+          <a:prstGeom prst="rect">
+            <a:avLst/>
+          </a:prstGeom>
+          <a:solidFill>
+            <a:srgbClr val="7A3135"/>
+          </a:solidFill>
+        </p:spPr>
+        <p:style>
+          <a:lnRef idx="2">
+            <a:schemeClr val="accent1"/>
+          </a:lnRef>
+          <a:fillRef idx="1">
+            <a:schemeClr val="lt1"/>
+          </a:fillRef>
+          <a:effectRef idx="0">
+            <a:schemeClr val="accent1"/>
+          </a:effectRef>
+          <a:fontRef idx="minor">
+            <a:schemeClr val="dk1"/>
+          </a:fontRef>
+        </p:style>
+        <p:txBody>
+          <a:bodyPr rtlCol="0" anchor="ctr"/>
+          <a:lstStyle/>
+          <a:p>
+            <a:pPr algn="ctr"/>
+            <a:endParaRPr lang="en-US" dirty="0">
+              <a:solidFill>
+                <a:schemeClr val="bg1"/>
+              </a:solidFill>
+              <a:latin typeface="Cambria Math"/>
+              <a:cs typeface="Cambria Math"/>
+            </a:endParaRPr>
+          </a:p>
+        </p:txBody>
+      </p:sp>
+      <p:sp>
+        <p:nvSpPr>
+          <p:cNvPr id="5" name="Rectangle 4"/>
+          <p:cNvSpPr/>
+          <p:nvPr/>
+        </p:nvSpPr>
+        <p:spPr>
+          <a:xfrm>
+            <a:off x="4915740" y="3468391"/>
+            <a:ext cx="578321" cy="739174"/>
+          </a:xfrm>
+          <a:prstGeom prst="rect">
+            <a:avLst/>
+          </a:prstGeom>
+        </p:spPr>
+        <p:style>
+          <a:lnRef idx="2">
+            <a:schemeClr val="accent1"/>
+          </a:lnRef>
+          <a:fillRef idx="1">
+            <a:schemeClr val="lt1"/>
+          </a:fillRef>
+          <a:effectRef idx="0">
+            <a:schemeClr val="accent1"/>
+          </a:effectRef>
+          <a:fontRef idx="minor">
+            <a:schemeClr val="dk1"/>
+          </a:fontRef>
+        </p:style>
+        <p:txBody>
+          <a:bodyPr rtlCol="0" anchor="ctr"/>
+          <a:lstStyle/>
+          <a:p>
+            <a:pPr algn="ctr"/>
+            <a:endParaRPr lang="en-US">
+              <a:solidFill>
+                <a:schemeClr val="bg1"/>
+              </a:solidFill>
+              <a:latin typeface="Cambria Math"/>
+              <a:cs typeface="Cambria Math"/>
+            </a:endParaRPr>
+          </a:p>
+        </p:txBody>
+      </p:sp>
+      <p:sp>
+        <p:nvSpPr>
+          <p:cNvPr id="7" name="TextBox 6"/>
+          <p:cNvSpPr txBox="1"/>
+          <p:nvPr/>
+        </p:nvSpPr>
+        <p:spPr>
+          <a:xfrm>
+            <a:off x="4895733" y="2889359"/>
+            <a:ext cx="606122" cy="338554"/>
+          </a:xfrm>
+          <a:prstGeom prst="rect">
+            <a:avLst/>
+          </a:prstGeom>
+          <a:noFill/>
+        </p:spPr>
+        <p:txBody>
+          <a:bodyPr wrap="none" rtlCol="0">
+            <a:spAutoFit/>
+          </a:bodyPr>
+          <a:lstStyle/>
+          <a:p>
+            <a:r>
+              <a:rPr lang="en-US" sz="1600" dirty="0" smtClean="0">
+                <a:solidFill>
+                  <a:schemeClr val="bg1"/>
+                </a:solidFill>
+                <a:latin typeface="Cambria Math"/>
+                <a:cs typeface="Cambria Math"/>
+              </a:rPr>
+              <a:t>N</a:t>
+            </a:r>
+            <a:r>
+              <a:rPr lang="en-US" sz="1600" baseline="-25000" dirty="0" smtClean="0">
+                <a:solidFill>
+                  <a:schemeClr val="bg1"/>
+                </a:solidFill>
+                <a:latin typeface="Cambria Math"/>
+                <a:cs typeface="Cambria Math"/>
+              </a:rPr>
+              <a:t>g</a:t>
+            </a:r>
+            <a:r>
+              <a:rPr lang="en-US" sz="1600" dirty="0" smtClean="0">
+                <a:solidFill>
+                  <a:schemeClr val="bg1"/>
+                </a:solidFill>
+                <a:latin typeface="Cambria Math"/>
+                <a:cs typeface="Cambria Math"/>
+              </a:rPr>
+              <a:t>/2</a:t>
+            </a:r>
+            <a:endParaRPr lang="en-US" sz="1600" dirty="0">
+              <a:solidFill>
+                <a:schemeClr val="bg1"/>
+              </a:solidFill>
+              <a:latin typeface="Cambria Math"/>
+              <a:cs typeface="Cambria Math"/>
+            </a:endParaRPr>
+          </a:p>
+        </p:txBody>
+      </p:sp>
+      <p:sp>
+        <p:nvSpPr>
+          <p:cNvPr id="8" name="TextBox 7"/>
+          <p:cNvSpPr txBox="1"/>
+          <p:nvPr/>
+        </p:nvSpPr>
+        <p:spPr>
+          <a:xfrm>
+            <a:off x="4895733" y="3679207"/>
+            <a:ext cx="606122" cy="338554"/>
+          </a:xfrm>
+          <a:prstGeom prst="rect">
+            <a:avLst/>
+          </a:prstGeom>
+          <a:noFill/>
+        </p:spPr>
+        <p:txBody>
+          <a:bodyPr wrap="none" rtlCol="0">
+            <a:spAutoFit/>
+          </a:bodyPr>
+          <a:lstStyle/>
+          <a:p>
+            <a:r>
+              <a:rPr lang="en-US" sz="1600" dirty="0" smtClean="0">
+                <a:solidFill>
+                  <a:srgbClr val="800000"/>
+                </a:solidFill>
+                <a:latin typeface="Cambria Math"/>
+                <a:cs typeface="Cambria Math"/>
+              </a:rPr>
+              <a:t>N</a:t>
+            </a:r>
+            <a:r>
+              <a:rPr lang="en-US" sz="1600" baseline="-25000" dirty="0" smtClean="0">
+                <a:solidFill>
+                  <a:srgbClr val="800000"/>
+                </a:solidFill>
+                <a:latin typeface="Cambria Math"/>
+                <a:cs typeface="Cambria Math"/>
+              </a:rPr>
+              <a:t>g</a:t>
+            </a:r>
+            <a:r>
+              <a:rPr lang="en-US" sz="1600" dirty="0" smtClean="0">
+                <a:solidFill>
+                  <a:srgbClr val="800000"/>
+                </a:solidFill>
+                <a:latin typeface="Cambria Math"/>
+                <a:cs typeface="Cambria Math"/>
+              </a:rPr>
+              <a:t>/2</a:t>
+            </a:r>
+            <a:endParaRPr lang="en-US" sz="1600" dirty="0">
+              <a:solidFill>
+                <a:srgbClr val="800000"/>
+              </a:solidFill>
+              <a:latin typeface="Cambria Math"/>
+              <a:cs typeface="Cambria Math"/>
+            </a:endParaRPr>
+          </a:p>
+        </p:txBody>
+      </p:sp>
+      <p:sp>
+        <p:nvSpPr>
+          <p:cNvPr id="11" name="Rectangle 10"/>
+          <p:cNvSpPr/>
+          <p:nvPr/>
+        </p:nvSpPr>
+        <p:spPr>
+          <a:xfrm>
+            <a:off x="5212694" y="3284705"/>
+            <a:ext cx="578321" cy="1512956"/>
+          </a:xfrm>
+          <a:prstGeom prst="rect">
+            <a:avLst/>
+          </a:prstGeom>
+          <a:solidFill>
+            <a:srgbClr val="7A3135"/>
+          </a:solidFill>
+        </p:spPr>
+        <p:style>
+          <a:lnRef idx="2">
+            <a:schemeClr val="accent1"/>
+          </a:lnRef>
+          <a:fillRef idx="1">
+            <a:schemeClr val="lt1"/>
+          </a:fillRef>
+          <a:effectRef idx="0">
+            <a:schemeClr val="accent1"/>
+          </a:effectRef>
+          <a:fontRef idx="minor">
+            <a:schemeClr val="dk1"/>
+          </a:fontRef>
+        </p:style>
+        <p:txBody>
+          <a:bodyPr rtlCol="0" anchor="ctr"/>
+          <a:lstStyle/>
+          <a:p>
+            <a:pPr algn="ctr"/>
+            <a:endParaRPr lang="en-US" dirty="0">
+              <a:solidFill>
+                <a:schemeClr val="bg1"/>
+              </a:solidFill>
+              <a:latin typeface="Cambria Math"/>
+              <a:cs typeface="Cambria Math"/>
+            </a:endParaRPr>
+          </a:p>
+        </p:txBody>
+      </p:sp>
+      <p:sp>
+        <p:nvSpPr>
+          <p:cNvPr id="12" name="Rectangle 11"/>
+          <p:cNvSpPr/>
+          <p:nvPr/>
+        </p:nvSpPr>
+        <p:spPr>
+          <a:xfrm>
+            <a:off x="5212694" y="4058487"/>
+            <a:ext cx="578321" cy="739174"/>
+          </a:xfrm>
+          <a:prstGeom prst="rect">
+            <a:avLst/>
+          </a:prstGeom>
+        </p:spPr>
+        <p:style>
+          <a:lnRef idx="2">
+            <a:schemeClr val="accent1"/>
+          </a:lnRef>
+          <a:fillRef idx="1">
+            <a:schemeClr val="lt1"/>
+          </a:fillRef>
+          <a:effectRef idx="0">
+            <a:schemeClr val="accent1"/>
+          </a:effectRef>
+          <a:fontRef idx="minor">
+            <a:schemeClr val="dk1"/>
+          </a:fontRef>
+        </p:style>
+        <p:txBody>
+          <a:bodyPr rtlCol="0" anchor="ctr"/>
+          <a:lstStyle/>
+          <a:p>
+            <a:pPr algn="ctr"/>
+            <a:endParaRPr lang="en-US">
+              <a:solidFill>
+                <a:schemeClr val="bg1"/>
+              </a:solidFill>
+              <a:latin typeface="Cambria Math"/>
+              <a:cs typeface="Cambria Math"/>
+            </a:endParaRPr>
+          </a:p>
+        </p:txBody>
+      </p:sp>
+      <p:sp>
+        <p:nvSpPr>
+          <p:cNvPr id="13" name="TextBox 12"/>
+          <p:cNvSpPr txBox="1"/>
+          <p:nvPr/>
+        </p:nvSpPr>
+        <p:spPr>
+          <a:xfrm>
+            <a:off x="5192687" y="3479455"/>
+            <a:ext cx="606122" cy="338554"/>
+          </a:xfrm>
+          <a:prstGeom prst="rect">
+            <a:avLst/>
+          </a:prstGeom>
+          <a:noFill/>
+        </p:spPr>
+        <p:txBody>
+          <a:bodyPr wrap="none" rtlCol="0">
+            <a:spAutoFit/>
+          </a:bodyPr>
+          <a:lstStyle/>
+          <a:p>
+            <a:r>
+              <a:rPr lang="en-US" sz="1600" dirty="0" smtClean="0">
+                <a:solidFill>
+                  <a:schemeClr val="bg1"/>
+                </a:solidFill>
+                <a:latin typeface="Cambria Math"/>
+                <a:cs typeface="Cambria Math"/>
+              </a:rPr>
+              <a:t>N</a:t>
+            </a:r>
+            <a:r>
+              <a:rPr lang="en-US" sz="1600" baseline="-25000" dirty="0" smtClean="0">
+                <a:solidFill>
+                  <a:schemeClr val="bg1"/>
+                </a:solidFill>
+                <a:latin typeface="Cambria Math"/>
+                <a:cs typeface="Cambria Math"/>
+              </a:rPr>
+              <a:t>g</a:t>
+            </a:r>
+            <a:r>
+              <a:rPr lang="en-US" sz="1600" dirty="0" smtClean="0">
+                <a:solidFill>
+                  <a:schemeClr val="bg1"/>
+                </a:solidFill>
+                <a:latin typeface="Cambria Math"/>
+                <a:cs typeface="Cambria Math"/>
+              </a:rPr>
+              <a:t>/2</a:t>
+            </a:r>
+            <a:endParaRPr lang="en-US" sz="1600" dirty="0">
+              <a:solidFill>
+                <a:schemeClr val="bg1"/>
+              </a:solidFill>
+              <a:latin typeface="Cambria Math"/>
+              <a:cs typeface="Cambria Math"/>
+            </a:endParaRPr>
+          </a:p>
+        </p:txBody>
+      </p:sp>
+      <p:sp>
+        <p:nvSpPr>
+          <p:cNvPr id="14" name="TextBox 13"/>
+          <p:cNvSpPr txBox="1"/>
+          <p:nvPr/>
+        </p:nvSpPr>
+        <p:spPr>
+          <a:xfrm>
+            <a:off x="5192687" y="4269303"/>
+            <a:ext cx="606122" cy="338554"/>
+          </a:xfrm>
+          <a:prstGeom prst="rect">
+            <a:avLst/>
+          </a:prstGeom>
+          <a:noFill/>
+        </p:spPr>
+        <p:txBody>
+          <a:bodyPr wrap="none" rtlCol="0">
+            <a:spAutoFit/>
+          </a:bodyPr>
+          <a:lstStyle/>
+          <a:p>
+            <a:r>
+              <a:rPr lang="en-US" sz="1600" dirty="0" smtClean="0">
+                <a:solidFill>
+                  <a:srgbClr val="800000"/>
+                </a:solidFill>
+                <a:latin typeface="Cambria Math"/>
+                <a:cs typeface="Cambria Math"/>
+              </a:rPr>
+              <a:t>N</a:t>
+            </a:r>
+            <a:r>
+              <a:rPr lang="en-US" sz="1600" baseline="-25000" dirty="0" smtClean="0">
+                <a:solidFill>
+                  <a:srgbClr val="800000"/>
+                </a:solidFill>
+                <a:latin typeface="Cambria Math"/>
+                <a:cs typeface="Cambria Math"/>
+              </a:rPr>
+              <a:t>g</a:t>
+            </a:r>
+            <a:r>
+              <a:rPr lang="en-US" sz="1600" dirty="0" smtClean="0">
+                <a:solidFill>
+                  <a:srgbClr val="800000"/>
+                </a:solidFill>
+                <a:latin typeface="Cambria Math"/>
+                <a:cs typeface="Cambria Math"/>
+              </a:rPr>
+              <a:t>/2</a:t>
+            </a:r>
+            <a:endParaRPr lang="en-US" sz="1600" dirty="0">
+              <a:solidFill>
+                <a:srgbClr val="800000"/>
+              </a:solidFill>
+              <a:latin typeface="Cambria Math"/>
+              <a:cs typeface="Cambria Math"/>
+            </a:endParaRPr>
+          </a:p>
+        </p:txBody>
+      </p:sp>
+      <p:sp>
+        <p:nvSpPr>
+          <p:cNvPr id="15" name="Striped Right Arrow 14"/>
+          <p:cNvSpPr/>
+          <p:nvPr/>
+        </p:nvSpPr>
+        <p:spPr>
+          <a:xfrm>
+            <a:off x="3898348" y="3122921"/>
+            <a:ext cx="883478" cy="690940"/>
+          </a:xfrm>
+          <a:prstGeom prst="stripedRightArrow">
+            <a:avLst/>
+          </a:prstGeom>
+          <a:solidFill>
+            <a:srgbClr val="7A3135"/>
+          </a:solidFill>
+        </p:spPr>
+        <p:style>
+          <a:lnRef idx="2">
+            <a:schemeClr val="accent1"/>
+          </a:lnRef>
+          <a:fillRef idx="1">
+            <a:schemeClr val="lt1"/>
+          </a:fillRef>
+          <a:effectRef idx="0">
+            <a:schemeClr val="accent1"/>
+          </a:effectRef>
+          <a:fontRef idx="minor">
+            <a:schemeClr val="dk1"/>
+          </a:fontRef>
+        </p:style>
+        <p:txBody>
+          <a:bodyPr rtlCol="0" anchor="ctr"/>
+          <a:lstStyle/>
+          <a:p>
+            <a:pPr algn="ctr"/>
+            <a:endParaRPr lang="en-US"/>
+          </a:p>
+        </p:txBody>
+      </p:sp>
+      <p:sp>
+        <p:nvSpPr>
+          <p:cNvPr id="16" name="Striped Right Arrow 15"/>
+          <p:cNvSpPr/>
+          <p:nvPr/>
+        </p:nvSpPr>
+        <p:spPr>
+          <a:xfrm>
+            <a:off x="4194313" y="3713017"/>
+            <a:ext cx="883478" cy="690940"/>
+          </a:xfrm>
+          <a:prstGeom prst="stripedRightArrow">
+            <a:avLst/>
+          </a:prstGeom>
+          <a:solidFill>
+            <a:srgbClr val="7A3135"/>
+          </a:solidFill>
+        </p:spPr>
+        <p:style>
+          <a:lnRef idx="2">
+            <a:schemeClr val="accent1"/>
+          </a:lnRef>
+          <a:fillRef idx="1">
+            <a:schemeClr val="lt1"/>
+          </a:fillRef>
+          <a:effectRef idx="0">
+            <a:schemeClr val="accent1"/>
+          </a:effectRef>
+          <a:fontRef idx="minor">
+            <a:schemeClr val="dk1"/>
+          </a:fontRef>
+        </p:style>
+        <p:txBody>
+          <a:bodyPr rtlCol="0" anchor="ctr"/>
+          <a:lstStyle/>
+          <a:p>
+            <a:pPr algn="ctr"/>
+            <a:endParaRPr lang="en-US"/>
+          </a:p>
+        </p:txBody>
+      </p:sp>
+      <p:sp>
+        <p:nvSpPr>
+          <p:cNvPr id="17" name="TextBox 16"/>
+          <p:cNvSpPr txBox="1"/>
+          <p:nvPr/>
+        </p:nvSpPr>
+        <p:spPr>
+          <a:xfrm>
+            <a:off x="3496948" y="3245986"/>
+            <a:ext cx="338629" cy="369332"/>
+          </a:xfrm>
+          <a:prstGeom prst="rect">
+            <a:avLst/>
+          </a:prstGeom>
+          <a:noFill/>
+        </p:spPr>
+        <p:txBody>
+          <a:bodyPr wrap="none" rtlCol="0">
+            <a:spAutoFit/>
+          </a:bodyPr>
+          <a:lstStyle/>
+          <a:p>
+            <a:r>
+              <a:rPr lang="en-US" dirty="0"/>
+              <a:t>A</a:t>
+            </a:r>
+          </a:p>
+        </p:txBody>
+      </p:sp>
+      <p:sp>
+        <p:nvSpPr>
+          <p:cNvPr id="18" name="TextBox 17"/>
+          <p:cNvSpPr txBox="1"/>
+          <p:nvPr/>
+        </p:nvSpPr>
+        <p:spPr>
+          <a:xfrm>
+            <a:off x="3835577" y="3899971"/>
+            <a:ext cx="351366" cy="369332"/>
+          </a:xfrm>
+          <a:prstGeom prst="rect">
+            <a:avLst/>
+          </a:prstGeom>
+          <a:noFill/>
+        </p:spPr>
+        <p:txBody>
+          <a:bodyPr wrap="none" rtlCol="0">
+            <a:spAutoFit/>
+          </a:bodyPr>
+          <a:lstStyle/>
+          <a:p>
+            <a:r>
+              <a:rPr lang="en-US" dirty="0" smtClean="0"/>
+              <a:t>Ā</a:t>
+            </a:r>
+            <a:endParaRPr lang="en-US" dirty="0"/>
+          </a:p>
+        </p:txBody>
+      </p:sp>
+      <p:sp>
+        <p:nvSpPr>
+          <p:cNvPr id="19" name="Rectangle 18"/>
+          <p:cNvSpPr/>
+          <p:nvPr/>
+        </p:nvSpPr>
+        <p:spPr>
+          <a:xfrm>
+            <a:off x="6493464" y="3443309"/>
+            <a:ext cx="279876" cy="245895"/>
+          </a:xfrm>
+          <a:prstGeom prst="rect">
+            <a:avLst/>
+          </a:prstGeom>
+          <a:solidFill>
+            <a:srgbClr val="800000"/>
+          </a:solidFill>
+        </p:spPr>
+        <p:style>
+          <a:lnRef idx="2">
+            <a:schemeClr val="accent1"/>
+          </a:lnRef>
+          <a:fillRef idx="1">
+            <a:schemeClr val="lt1"/>
+          </a:fillRef>
+          <a:effectRef idx="0">
+            <a:schemeClr val="accent1"/>
+          </a:effectRef>
+          <a:fontRef idx="minor">
+            <a:schemeClr val="dk1"/>
+          </a:fontRef>
+        </p:style>
+        <p:txBody>
+          <a:bodyPr rtlCol="0" anchor="ctr"/>
+          <a:lstStyle/>
+          <a:p>
+            <a:pPr algn="ctr"/>
+            <a:endParaRPr lang="en-US">
+              <a:solidFill>
+                <a:schemeClr val="bg1"/>
+              </a:solidFill>
+              <a:latin typeface="Cambria Math"/>
+              <a:cs typeface="Cambria Math"/>
+            </a:endParaRPr>
+          </a:p>
+        </p:txBody>
+      </p:sp>
+      <p:sp>
+        <p:nvSpPr>
+          <p:cNvPr id="20" name="Rectangle 19"/>
+          <p:cNvSpPr/>
+          <p:nvPr/>
+        </p:nvSpPr>
+        <p:spPr>
+          <a:xfrm>
+            <a:off x="6493463" y="3750884"/>
+            <a:ext cx="279876" cy="245895"/>
+          </a:xfrm>
+          <a:prstGeom prst="rect">
+            <a:avLst/>
+          </a:prstGeom>
+        </p:spPr>
+        <p:style>
+          <a:lnRef idx="2">
+            <a:schemeClr val="accent1"/>
+          </a:lnRef>
+          <a:fillRef idx="1">
+            <a:schemeClr val="lt1"/>
+          </a:fillRef>
+          <a:effectRef idx="0">
+            <a:schemeClr val="accent1"/>
+          </a:effectRef>
+          <a:fontRef idx="minor">
+            <a:schemeClr val="dk1"/>
+          </a:fontRef>
+        </p:style>
+        <p:txBody>
+          <a:bodyPr rtlCol="0" anchor="ctr"/>
+          <a:lstStyle/>
+          <a:p>
+            <a:pPr algn="ctr"/>
+            <a:endParaRPr lang="en-US">
+              <a:solidFill>
+                <a:schemeClr val="bg1"/>
+              </a:solidFill>
+              <a:latin typeface="Cambria Math"/>
+              <a:cs typeface="Cambria Math"/>
+            </a:endParaRPr>
+          </a:p>
+        </p:txBody>
+      </p:sp>
+      <p:sp>
+        <p:nvSpPr>
+          <p:cNvPr id="21" name="TextBox 20"/>
+          <p:cNvSpPr txBox="1"/>
+          <p:nvPr/>
+        </p:nvSpPr>
+        <p:spPr>
+          <a:xfrm>
+            <a:off x="6875946" y="3420629"/>
+            <a:ext cx="1085554" cy="584776"/>
+          </a:xfrm>
+          <a:prstGeom prst="rect">
+            <a:avLst/>
+          </a:prstGeom>
+          <a:noFill/>
+        </p:spPr>
+        <p:txBody>
+          <a:bodyPr wrap="none" rtlCol="0">
+            <a:spAutoFit/>
+          </a:bodyPr>
+          <a:lstStyle/>
+          <a:p>
+            <a:r>
+              <a:rPr lang="en-US" sz="1600" dirty="0" smtClean="0">
+                <a:latin typeface="Cambria Math"/>
+                <a:cs typeface="Cambria Math"/>
+              </a:rPr>
+              <a:t>Excitatory</a:t>
+            </a:r>
+          </a:p>
+          <a:p>
+            <a:r>
+              <a:rPr lang="en-US" sz="1600" dirty="0" smtClean="0">
+                <a:latin typeface="Cambria Math"/>
+                <a:cs typeface="Cambria Math"/>
+              </a:rPr>
+              <a:t>Inhibitory</a:t>
+            </a:r>
+            <a:endParaRPr lang="en-US" sz="1600" dirty="0">
+              <a:latin typeface="Cambria Math"/>
+              <a:cs typeface="Cambria Math"/>
+            </a:endParaRPr>
           </a:p>
         </p:txBody>
       </p:sp>
@@ -20356,13 +21034,7 @@
               <a:rPr lang="en-US" sz="2800" dirty="0" smtClean="0">
                 <a:cs typeface="Cambria Math"/>
               </a:rPr>
-              <a:t>Network </a:t>
-            </a:r>
-            <a:r>
-              <a:rPr lang="en-US" sz="2800" dirty="0" smtClean="0">
-                <a:cs typeface="Cambria Math"/>
-              </a:rPr>
-              <a:t>Design</a:t>
+              <a:t>Network Design</a:t>
             </a:r>
             <a:endParaRPr lang="en-US" sz="2800" dirty="0">
               <a:cs typeface="Cambria Math"/>
